--- a/Мейстельман Виталий Александрович/Презентация.pptx
+++ b/Мейстельман Виталий Александрович/Презентация.pptx
@@ -12,10 +12,11 @@
     <p:sldId id="272" r:id="rId6"/>
     <p:sldId id="271" r:id="rId7"/>
     <p:sldId id="270" r:id="rId8"/>
-    <p:sldId id="260" r:id="rId9"/>
-    <p:sldId id="261" r:id="rId10"/>
-    <p:sldId id="273" r:id="rId11"/>
-    <p:sldId id="264" r:id="rId12"/>
+    <p:sldId id="274" r:id="rId9"/>
+    <p:sldId id="260" r:id="rId10"/>
+    <p:sldId id="261" r:id="rId11"/>
+    <p:sldId id="273" r:id="rId12"/>
+    <p:sldId id="264" r:id="rId13"/>
   </p:sldIdLst>
   <p:sldSz cx="9144000" cy="6858000" type="screen4x3"/>
   <p:notesSz cx="6797675" cy="9874250"/>
@@ -347,7 +348,7 @@
               <a:pPr>
                 <a:defRPr/>
               </a:pPr>
-              <a:t>16.02.2012</a:t>
+              <a:t>17.02.2012</a:t>
             </a:fld>
             <a:endParaRPr lang="ru-RU"/>
           </a:p>
@@ -554,7 +555,7 @@
               <a:pPr>
                 <a:defRPr/>
               </a:pPr>
-              <a:t>16.02.2012</a:t>
+              <a:t>17.02.2012</a:t>
             </a:fld>
             <a:endParaRPr lang="ru-RU"/>
           </a:p>
@@ -771,7 +772,7 @@
               <a:pPr>
                 <a:defRPr/>
               </a:pPr>
-              <a:t>16.02.2012</a:t>
+              <a:t>17.02.2012</a:t>
             </a:fld>
             <a:endParaRPr lang="ru-RU"/>
           </a:p>
@@ -978,7 +979,7 @@
               <a:pPr>
                 <a:defRPr/>
               </a:pPr>
-              <a:t>16.02.2012</a:t>
+              <a:t>17.02.2012</a:t>
             </a:fld>
             <a:endParaRPr lang="ru-RU"/>
           </a:p>
@@ -1261,7 +1262,7 @@
               <a:pPr>
                 <a:defRPr/>
               </a:pPr>
-              <a:t>16.02.2012</a:t>
+              <a:t>17.02.2012</a:t>
             </a:fld>
             <a:endParaRPr lang="ru-RU"/>
           </a:p>
@@ -1589,7 +1590,7 @@
               <a:pPr>
                 <a:defRPr/>
               </a:pPr>
-              <a:t>16.02.2012</a:t>
+              <a:t>17.02.2012</a:t>
             </a:fld>
             <a:endParaRPr lang="ru-RU"/>
           </a:p>
@@ -2057,7 +2058,7 @@
               <a:pPr>
                 <a:defRPr/>
               </a:pPr>
-              <a:t>16.02.2012</a:t>
+              <a:t>17.02.2012</a:t>
             </a:fld>
             <a:endParaRPr lang="ru-RU"/>
           </a:p>
@@ -2209,7 +2210,7 @@
               <a:pPr>
                 <a:defRPr/>
               </a:pPr>
-              <a:t>16.02.2012</a:t>
+              <a:t>17.02.2012</a:t>
             </a:fld>
             <a:endParaRPr lang="ru-RU"/>
           </a:p>
@@ -2335,7 +2336,7 @@
               <a:pPr>
                 <a:defRPr/>
               </a:pPr>
-              <a:t>16.02.2012</a:t>
+              <a:t>17.02.2012</a:t>
             </a:fld>
             <a:endParaRPr lang="ru-RU"/>
           </a:p>
@@ -2652,7 +2653,7 @@
               <a:pPr>
                 <a:defRPr/>
               </a:pPr>
-              <a:t>16.02.2012</a:t>
+              <a:t>17.02.2012</a:t>
             </a:fld>
             <a:endParaRPr lang="ru-RU"/>
           </a:p>
@@ -2948,7 +2949,7 @@
               <a:pPr>
                 <a:defRPr/>
               </a:pPr>
-              <a:t>16.02.2012</a:t>
+              <a:t>17.02.2012</a:t>
             </a:fld>
             <a:endParaRPr lang="ru-RU"/>
           </a:p>
@@ -3219,7 +3220,7 @@
               <a:pPr>
                 <a:defRPr/>
               </a:pPr>
-              <a:t>16.02.2012</a:t>
+              <a:t>17.02.2012</a:t>
             </a:fld>
             <a:endParaRPr lang="ru-RU"/>
           </a:p>
@@ -3962,6 +3963,311 @@
       </p:grpSpPr>
       <p:sp>
         <p:nvSpPr>
+          <p:cNvPr id="8194" name="Заголовок 1"/>
+          <p:cNvSpPr>
+            <a:spLocks noGrp="1"/>
+          </p:cNvSpPr>
+          <p:nvPr>
+            <p:ph type="title"/>
+            <p:custDataLst>
+              <p:tags r:id="rId2"/>
+            </p:custDataLst>
+          </p:nvPr>
+        </p:nvSpPr>
+        <p:spPr>
+          <a:xfrm>
+            <a:off x="2643174" y="500042"/>
+            <a:ext cx="5572164" cy="714380"/>
+          </a:xfrm>
+        </p:spPr>
+        <p:txBody>
+          <a:bodyPr/>
+          <a:lstStyle/>
+          <a:p>
+            <a:r>
+              <a:rPr lang="ru-RU" sz="4400" dirty="0" err="1" smtClean="0"/>
+              <a:t>Коннектор</a:t>
+            </a:r>
+            <a:endParaRPr lang="ru-RU" sz="4400" dirty="0" smtClean="0"/>
+          </a:p>
+        </p:txBody>
+      </p:sp>
+      <p:pic>
+        <p:nvPicPr>
+          <p:cNvPr id="5" name="Содержимое 4" descr="images.jpeg"/>
+          <p:cNvPicPr>
+            <a:picLocks noGrp="1" noChangeAspect="1"/>
+          </p:cNvPicPr>
+          <p:nvPr>
+            <p:ph idx="1"/>
+            <p:custDataLst>
+              <p:tags r:id="rId3"/>
+            </p:custDataLst>
+          </p:nvPr>
+        </p:nvPicPr>
+        <p:blipFill>
+          <a:blip r:embed="rId6"/>
+          <a:stretch>
+            <a:fillRect/>
+          </a:stretch>
+        </p:blipFill>
+        <p:spPr>
+          <a:xfrm>
+            <a:off x="857224" y="285728"/>
+            <a:ext cx="971550" cy="971550"/>
+          </a:xfrm>
+        </p:spPr>
+      </p:pic>
+      <p:sp>
+        <p:nvSpPr>
+          <p:cNvPr id="7" name="Текст 6"/>
+          <p:cNvSpPr>
+            <a:spLocks noGrp="1"/>
+          </p:cNvSpPr>
+          <p:nvPr>
+            <p:ph type="body" sz="half" idx="2"/>
+            <p:custDataLst>
+              <p:tags r:id="rId4"/>
+            </p:custDataLst>
+          </p:nvPr>
+        </p:nvSpPr>
+        <p:spPr>
+          <a:xfrm>
+            <a:off x="428596" y="1785926"/>
+            <a:ext cx="8401080" cy="4643470"/>
+          </a:xfrm>
+        </p:spPr>
+        <p:txBody>
+          <a:bodyPr/>
+          <a:lstStyle/>
+          <a:p>
+            <a:pPr marL="342900" lvl="1" indent="-342900" eaLnBrk="1" hangingPunct="1"/>
+            <a:r>
+              <a:rPr lang="ru-RU" sz="2400" dirty="0" smtClean="0"/>
+              <a:t>Дано</a:t>
+            </a:r>
+            <a:r>
+              <a:rPr lang="en-US" sz="2400" dirty="0" smtClean="0"/>
+              <a:t>:</a:t>
+            </a:r>
+          </a:p>
+          <a:p>
+            <a:pPr marL="342900" lvl="1" indent="-342900" eaLnBrk="1" hangingPunct="1">
+              <a:buFont typeface="Arial" charset="0"/>
+              <a:buChar char="•"/>
+            </a:pPr>
+            <a:r>
+              <a:rPr lang="ru-RU" sz="2400" dirty="0" smtClean="0"/>
+              <a:t>Торговый терминал</a:t>
+            </a:r>
+            <a:r>
+              <a:rPr lang="en-US" sz="2400" dirty="0" smtClean="0"/>
+              <a:t>: ARQA </a:t>
+            </a:r>
+            <a:r>
+              <a:rPr lang="en-US" sz="2400" dirty="0" err="1" smtClean="0"/>
+              <a:t>Quik</a:t>
+            </a:r>
+            <a:r>
+              <a:rPr lang="en-US" sz="2400" dirty="0" smtClean="0"/>
+              <a:t>.</a:t>
+            </a:r>
+            <a:endParaRPr lang="ru-RU" sz="2400" dirty="0" smtClean="0"/>
+          </a:p>
+          <a:p>
+            <a:pPr marL="342900" lvl="1" indent="-342900" eaLnBrk="1" hangingPunct="1">
+              <a:buFont typeface="Arial" charset="0"/>
+              <a:buChar char="•"/>
+            </a:pPr>
+            <a:r>
+              <a:rPr lang="ru-RU" sz="2400" dirty="0" smtClean="0"/>
+              <a:t>Способ вывода данных из ТТ </a:t>
+            </a:r>
+            <a:r>
+              <a:rPr lang="en-US" sz="2400" dirty="0" err="1" smtClean="0"/>
+              <a:t>Quik</a:t>
+            </a:r>
+            <a:r>
+              <a:rPr lang="en-US" sz="2400" dirty="0" smtClean="0"/>
+              <a:t>: </a:t>
+            </a:r>
+            <a:r>
+              <a:rPr lang="ru-RU" sz="2400" dirty="0" smtClean="0"/>
+              <a:t>протокол </a:t>
+            </a:r>
+            <a:r>
+              <a:rPr lang="en-US" sz="2400" dirty="0" smtClean="0"/>
+              <a:t>DDE.</a:t>
+            </a:r>
+          </a:p>
+          <a:p>
+            <a:pPr marL="342900" lvl="1" indent="-342900" eaLnBrk="1" hangingPunct="1">
+              <a:buFont typeface="Arial" charset="0"/>
+              <a:buChar char="•"/>
+            </a:pPr>
+            <a:r>
+              <a:rPr lang="ru-RU" sz="2400" dirty="0" smtClean="0"/>
+              <a:t>Способ отправки торговых приказов в </a:t>
+            </a:r>
+            <a:r>
+              <a:rPr lang="en-US" sz="2400" dirty="0" smtClean="0"/>
+              <a:t>TT </a:t>
+            </a:r>
+            <a:r>
+              <a:rPr lang="en-US" sz="2400" dirty="0" err="1" smtClean="0"/>
+              <a:t>Quik</a:t>
+            </a:r>
+            <a:r>
+              <a:rPr lang="en-US" sz="2400" dirty="0" smtClean="0"/>
+              <a:t>: API trans2quik</a:t>
+            </a:r>
+            <a:endParaRPr lang="ru-RU" sz="2400" dirty="0" smtClean="0"/>
+          </a:p>
+          <a:p>
+            <a:pPr marL="342900" lvl="1" indent="-342900" eaLnBrk="1" hangingPunct="1"/>
+            <a:r>
+              <a:rPr lang="ru-RU" sz="2400" dirty="0" smtClean="0"/>
+              <a:t>Результат</a:t>
+            </a:r>
+            <a:r>
+              <a:rPr lang="en-US" sz="2400" dirty="0" smtClean="0"/>
+              <a:t>:</a:t>
+            </a:r>
+          </a:p>
+          <a:p>
+            <a:pPr marL="342900" lvl="1" indent="-342900" eaLnBrk="1" hangingPunct="1">
+              <a:buFont typeface="Arial" charset="0"/>
+              <a:buChar char="•"/>
+            </a:pPr>
+            <a:r>
+              <a:rPr lang="ru-RU" sz="2400" dirty="0" smtClean="0"/>
+              <a:t>Модуль для приёма данных в формате </a:t>
+            </a:r>
+            <a:r>
+              <a:rPr lang="en-US" sz="2400" dirty="0" err="1" smtClean="0"/>
+              <a:t>XLTable</a:t>
+            </a:r>
+            <a:r>
+              <a:rPr lang="ru-RU" sz="2400" dirty="0" smtClean="0"/>
+              <a:t>.</a:t>
+            </a:r>
+          </a:p>
+          <a:p>
+            <a:pPr marL="342900" lvl="1" indent="-342900" eaLnBrk="1" hangingPunct="1">
+              <a:buFont typeface="Arial" charset="0"/>
+              <a:buChar char="•"/>
+            </a:pPr>
+            <a:r>
+              <a:rPr lang="ru-RU" sz="2400" dirty="0" smtClean="0"/>
+              <a:t>Адаптация </a:t>
+            </a:r>
+            <a:r>
+              <a:rPr lang="en-US" sz="2400" dirty="0" smtClean="0"/>
+              <a:t>API </a:t>
+            </a:r>
+            <a:r>
+              <a:rPr lang="en-US" sz="2400" dirty="0" err="1" smtClean="0"/>
+              <a:t>Quik</a:t>
+            </a:r>
+            <a:r>
+              <a:rPr lang="en-US" sz="2400" dirty="0" smtClean="0"/>
+              <a:t> </a:t>
+            </a:r>
+            <a:r>
+              <a:rPr lang="ru-RU" sz="2400" dirty="0" smtClean="0"/>
+              <a:t>на языке </a:t>
+            </a:r>
+            <a:r>
+              <a:rPr lang="en-US" sz="2400" dirty="0" smtClean="0"/>
+              <a:t>C/C++ </a:t>
+            </a:r>
+            <a:r>
+              <a:rPr lang="ru-RU" sz="2400" dirty="0" smtClean="0"/>
+              <a:t>для вызова из языка </a:t>
+            </a:r>
+            <a:r>
+              <a:rPr lang="en-US" sz="2400" dirty="0" smtClean="0"/>
+              <a:t>C# </a:t>
+            </a:r>
+            <a:r>
+              <a:rPr lang="ru-RU" sz="2400" dirty="0" smtClean="0"/>
+              <a:t>(вызов неуправляемого кода из управляемого в платформе </a:t>
+            </a:r>
+            <a:r>
+              <a:rPr lang="en-US" sz="2400" dirty="0" smtClean="0"/>
+              <a:t>.NET</a:t>
+            </a:r>
+            <a:r>
+              <a:rPr lang="ru-RU" sz="2400" dirty="0" smtClean="0"/>
+              <a:t> и</a:t>
+            </a:r>
+            <a:r>
+              <a:rPr lang="en-US" sz="2400" dirty="0" smtClean="0"/>
+              <a:t> Callback)</a:t>
+            </a:r>
+            <a:r>
+              <a:rPr lang="ru-RU" sz="2400" dirty="0" smtClean="0"/>
+              <a:t> </a:t>
+            </a:r>
+            <a:endParaRPr lang="en-US" sz="2400" dirty="0" smtClean="0"/>
+          </a:p>
+          <a:p>
+            <a:pPr marL="342900" lvl="1" indent="-342900" eaLnBrk="1" hangingPunct="1"/>
+            <a:endParaRPr lang="ru-RU" sz="2400" dirty="0" smtClean="0"/>
+          </a:p>
+          <a:p>
+            <a:pPr marL="342900" lvl="1" indent="-342900" eaLnBrk="1" hangingPunct="1"/>
+            <a:endParaRPr lang="ru-RU" sz="2400" dirty="0" smtClean="0"/>
+          </a:p>
+          <a:p>
+            <a:pPr marL="342900" lvl="1" indent="-342900" eaLnBrk="1" hangingPunct="1">
+              <a:buFont typeface="Arial" charset="0"/>
+              <a:buChar char="•"/>
+            </a:pPr>
+            <a:endParaRPr lang="ru-RU" sz="2400" dirty="0" smtClean="0"/>
+          </a:p>
+          <a:p>
+            <a:endParaRPr lang="ru-RU" dirty="0"/>
+          </a:p>
+        </p:txBody>
+      </p:sp>
+    </p:spTree>
+    <p:custDataLst>
+      <p:tags r:id="rId1"/>
+    </p:custDataLst>
+  </p:cSld>
+  <p:clrMapOvr>
+    <a:masterClrMapping/>
+  </p:clrMapOvr>
+  <p:timing>
+    <p:tnLst>
+      <p:par>
+        <p:cTn id="1" dur="indefinite" restart="never" nodeType="tmRoot"/>
+      </p:par>
+    </p:tnLst>
+  </p:timing>
+</p:sld>
+</file>
+
+<file path=ppt/slides/slide11.xml><?xml version="1.0" encoding="utf-8"?>
+<p:sld xmlns:a="http://schemas.openxmlformats.org/drawingml/2006/main" xmlns:r="http://schemas.openxmlformats.org/officeDocument/2006/relationships" xmlns:p="http://schemas.openxmlformats.org/presentationml/2006/main">
+  <p:cSld>
+    <p:spTree>
+      <p:nvGrpSpPr>
+        <p:cNvPr id="1" name=""/>
+        <p:cNvGrpSpPr/>
+        <p:nvPr/>
+      </p:nvGrpSpPr>
+      <p:grpSpPr>
+        <a:xfrm>
+          <a:off x="0" y="0"/>
+          <a:ext cx="0" cy="0"/>
+          <a:chOff x="0" y="0"/>
+          <a:chExt cx="0" cy="0"/>
+        </a:xfrm>
+      </p:grpSpPr>
+      <p:sp>
+        <p:nvSpPr>
           <p:cNvPr id="2" name="Заголовок 1"/>
           <p:cNvSpPr>
             <a:spLocks noGrp="1"/>
@@ -4083,7 +4389,7 @@
 </p:sld>
 </file>
 
-<file path=ppt/slides/slide11.xml><?xml version="1.0" encoding="utf-8"?>
+<file path=ppt/slides/slide12.xml><?xml version="1.0" encoding="utf-8"?>
 <p:sld xmlns:a="http://schemas.openxmlformats.org/drawingml/2006/main" xmlns:r="http://schemas.openxmlformats.org/officeDocument/2006/relationships" xmlns:p="http://schemas.openxmlformats.org/presentationml/2006/main">
   <p:cSld>
     <p:spTree>
@@ -4192,6 +4498,7 @@
               <a:rPr lang="ru-RU" dirty="0" smtClean="0"/>
               <a:t>Приложение протестировано.</a:t>
             </a:r>
+            <a:endParaRPr lang="ru-RU" dirty="0" smtClean="0"/>
           </a:p>
         </p:txBody>
       </p:sp>
@@ -5598,7 +5905,7 @@
       </p:grpSpPr>
       <p:sp>
         <p:nvSpPr>
-          <p:cNvPr id="7170" name="Заголовок 1"/>
+          <p:cNvPr id="2" name="Заголовок 1"/>
           <p:cNvSpPr>
             <a:spLocks noGrp="1"/>
           </p:cNvSpPr>
@@ -5616,99 +5923,289 @@
           <a:p>
             <a:r>
               <a:rPr lang="ru-RU" dirty="0" smtClean="0"/>
-              <a:t>Схема системы</a:t>
-            </a:r>
+              <a:t>Схема торговли на фондовой бирже</a:t>
+            </a:r>
+            <a:endParaRPr lang="ru-RU" dirty="0"/>
+          </a:p>
+        </p:txBody>
+      </p:sp>
+      <p:sp>
+        <p:nvSpPr>
+          <p:cNvPr id="4" name="Текст 3"/>
+          <p:cNvSpPr>
+            <a:spLocks noGrp="1"/>
+          </p:cNvSpPr>
+          <p:nvPr>
+            <p:ph type="body" idx="1"/>
+            <p:custDataLst>
+              <p:tags r:id="rId3"/>
+            </p:custDataLst>
+          </p:nvPr>
+        </p:nvSpPr>
+        <p:spPr>
+          <a:xfrm>
+            <a:off x="251520" y="1844824"/>
+            <a:ext cx="4320480" cy="885775"/>
+          </a:xfrm>
+        </p:spPr>
+        <p:txBody>
+          <a:bodyPr/>
+          <a:lstStyle/>
+          <a:p>
+            <a:r>
+              <a:rPr lang="ru-RU" sz="1600" b="0" dirty="0"/>
+              <a:t>Подается заявка покупке(продажи) ценной бумаги через торговый терминал или по телефону по определенной цене</a:t>
+            </a:r>
+            <a:r>
+              <a:rPr lang="ru-RU" sz="1200" b="0" dirty="0"/>
+              <a:t>.</a:t>
+            </a:r>
+          </a:p>
+          <a:p>
+            <a:endParaRPr lang="ru-RU" sz="1200" dirty="0"/>
+          </a:p>
+        </p:txBody>
+      </p:sp>
+      <p:sp>
+        <p:nvSpPr>
+          <p:cNvPr id="5" name="Текст 4"/>
+          <p:cNvSpPr>
+            <a:spLocks noGrp="1"/>
+          </p:cNvSpPr>
+          <p:nvPr>
+            <p:ph type="body" sz="quarter" idx="3"/>
+            <p:custDataLst>
+              <p:tags r:id="rId4"/>
+            </p:custDataLst>
+          </p:nvPr>
+        </p:nvSpPr>
+        <p:spPr>
+          <a:xfrm>
+            <a:off x="4499992" y="1700808"/>
+            <a:ext cx="4041775" cy="864096"/>
+          </a:xfrm>
+        </p:spPr>
+        <p:txBody>
+          <a:bodyPr/>
+          <a:lstStyle/>
+          <a:p>
+            <a:r>
+              <a:rPr lang="ru-RU" sz="1600" b="0" dirty="0"/>
+              <a:t>При наличии встречной заявки на продажу(покупку) по цене меньше или равной фондовая биржа проводит сделку</a:t>
+            </a:r>
+            <a:r>
+              <a:rPr lang="ru-RU" sz="1600" b="0" dirty="0" smtClean="0"/>
+              <a:t>.</a:t>
+            </a:r>
+            <a:endParaRPr lang="ru-RU" sz="1600" dirty="0"/>
+          </a:p>
+        </p:txBody>
+      </p:sp>
+      <p:sp>
+        <p:nvSpPr>
+          <p:cNvPr id="6" name="Объект 5"/>
+          <p:cNvSpPr>
+            <a:spLocks noGrp="1"/>
+          </p:cNvSpPr>
+          <p:nvPr>
+            <p:ph sz="quarter" idx="4"/>
+            <p:custDataLst>
+              <p:tags r:id="rId5"/>
+            </p:custDataLst>
+          </p:nvPr>
+        </p:nvSpPr>
+        <p:spPr>
+          <a:xfrm>
+            <a:off x="4645025" y="2924945"/>
+            <a:ext cx="4041775" cy="3201218"/>
+          </a:xfrm>
+        </p:spPr>
+        <p:txBody>
+          <a:bodyPr/>
+          <a:lstStyle/>
+          <a:p>
+            <a:endParaRPr lang="ru-RU" dirty="0"/>
           </a:p>
         </p:txBody>
       </p:sp>
       <p:pic>
         <p:nvPicPr>
-          <p:cNvPr id="7" name="Содержимое 6" descr="1.bmp"/>
+          <p:cNvPr id="1027" name="Picture 3"/>
           <p:cNvPicPr>
-            <a:picLocks noGrp="1" noChangeAspect="1"/>
+            <a:picLocks noGrp="1" noChangeAspect="1" noChangeArrowheads="1"/>
           </p:cNvPicPr>
           <p:nvPr>
-            <p:ph idx="1"/>
-            <p:custDataLst>
-              <p:tags r:id="rId3"/>
+            <p:ph sz="half" idx="2"/>
+            <p:custDataLst>
+              <p:tags r:id="rId6"/>
             </p:custDataLst>
           </p:nvPr>
         </p:nvPicPr>
         <p:blipFill>
-          <a:blip r:embed="rId6"/>
+          <a:blip r:embed="rId10">
+            <a:extLst>
+              <a:ext uri="{28A0092B-C50C-407E-A947-70E740481C1C}">
+                <a14:useLocalDpi xmlns:a14="http://schemas.microsoft.com/office/drawing/2010/main" val="0"/>
+              </a:ext>
+            </a:extLst>
+          </a:blip>
+          <a:srcRect/>
           <a:stretch>
             <a:fillRect/>
           </a:stretch>
         </p:blipFill>
-        <p:spPr>
+        <p:spPr bwMode="auto">
           <a:xfrm>
-            <a:off x="571472" y="2000240"/>
-            <a:ext cx="7103641" cy="2349785"/>
-          </a:xfrm>
-        </p:spPr>
-      </p:pic>
-      <p:sp>
-        <p:nvSpPr>
-          <p:cNvPr id="10" name="TextBox 9"/>
-          <p:cNvSpPr txBox="1"/>
-          <p:nvPr>
-            <p:custDataLst>
-              <p:tags r:id="rId4"/>
-            </p:custDataLst>
-          </p:nvPr>
-        </p:nvSpPr>
-        <p:spPr>
-          <a:xfrm>
-            <a:off x="285720" y="4357694"/>
-            <a:ext cx="8286808" cy="1754326"/>
+            <a:off x="611560" y="2924944"/>
+            <a:ext cx="3199269" cy="3096344"/>
           </a:xfrm>
           <a:prstGeom prst="rect">
             <a:avLst/>
           </a:prstGeom>
           <a:noFill/>
+          <a:ln>
+            <a:noFill/>
+          </a:ln>
+          <a:effectLst/>
+          <a:extLst>
+            <a:ext uri="{909E8E84-426E-40DD-AFC4-6F175D3DCCD1}">
+              <a14:hiddenFill xmlns:a14="http://schemas.microsoft.com/office/drawing/2010/main">
+                <a:solidFill>
+                  <a:schemeClr val="accent1"/>
+                </a:solidFill>
+              </a14:hiddenFill>
+            </a:ext>
+            <a:ext uri="{91240B29-F687-4F45-9708-019B960494DF}">
+              <a14:hiddenLine xmlns:a14="http://schemas.microsoft.com/office/drawing/2010/main" w="9525">
+                <a:solidFill>
+                  <a:schemeClr val="tx1"/>
+                </a:solidFill>
+                <a:miter lim="800000"/>
+                <a:headEnd/>
+                <a:tailEnd/>
+              </a14:hiddenLine>
+            </a:ext>
+            <a:ext uri="{AF507438-7753-43E0-B8FC-AC1667EBCBE1}">
+              <a14:hiddenEffects xmlns:a14="http://schemas.microsoft.com/office/drawing/2010/main">
+                <a:effectLst>
+                  <a:outerShdw dist="35921" dir="2700000" algn="ctr" rotWithShape="0">
+                    <a:schemeClr val="bg2"/>
+                  </a:outerShdw>
+                </a:effectLst>
+              </a14:hiddenEffects>
+            </a:ext>
+          </a:extLst>
         </p:spPr>
-        <p:txBody>
-          <a:bodyPr wrap="square" rtlCol="0">
-            <a:spAutoFit/>
-          </a:bodyPr>
+      </p:pic>
+      <p:pic>
+        <p:nvPicPr>
+          <p:cNvPr id="1028" name="Picture 4"/>
+          <p:cNvPicPr>
+            <a:picLocks noChangeAspect="1" noChangeArrowheads="1"/>
+          </p:cNvPicPr>
+          <p:nvPr>
+            <p:custDataLst>
+              <p:tags r:id="rId7"/>
+            </p:custDataLst>
+          </p:nvPr>
+        </p:nvPicPr>
+        <p:blipFill>
+          <a:blip r:embed="rId11">
+            <a:extLst>
+              <a:ext uri="{28A0092B-C50C-407E-A947-70E740481C1C}">
+                <a14:useLocalDpi xmlns:a14="http://schemas.microsoft.com/office/drawing/2010/main" val="0"/>
+              </a:ext>
+            </a:extLst>
+          </a:blip>
+          <a:srcRect/>
+          <a:stretch>
+            <a:fillRect/>
+          </a:stretch>
+        </p:blipFill>
+        <p:spPr bwMode="auto">
+          <a:xfrm>
+            <a:off x="4355976" y="3631572"/>
+            <a:ext cx="4479404" cy="969333"/>
+          </a:xfrm>
+          <a:prstGeom prst="rect">
+            <a:avLst/>
+          </a:prstGeom>
+          <a:noFill/>
+          <a:ln>
+            <a:noFill/>
+          </a:ln>
+          <a:effectLst/>
+          <a:extLst>
+            <a:ext uri="{909E8E84-426E-40DD-AFC4-6F175D3DCCD1}">
+              <a14:hiddenFill xmlns:a14="http://schemas.microsoft.com/office/drawing/2010/main">
+                <a:solidFill>
+                  <a:schemeClr val="accent1"/>
+                </a:solidFill>
+              </a14:hiddenFill>
+            </a:ext>
+            <a:ext uri="{91240B29-F687-4F45-9708-019B960494DF}">
+              <a14:hiddenLine xmlns:a14="http://schemas.microsoft.com/office/drawing/2010/main" w="9525">
+                <a:solidFill>
+                  <a:schemeClr val="tx1"/>
+                </a:solidFill>
+                <a:miter lim="800000"/>
+                <a:headEnd/>
+                <a:tailEnd/>
+              </a14:hiddenLine>
+            </a:ext>
+            <a:ext uri="{AF507438-7753-43E0-B8FC-AC1667EBCBE1}">
+              <a14:hiddenEffects xmlns:a14="http://schemas.microsoft.com/office/drawing/2010/main">
+                <a:effectLst>
+                  <a:outerShdw dist="35921" dir="2700000" algn="ctr" rotWithShape="0">
+                    <a:schemeClr val="bg2"/>
+                  </a:outerShdw>
+                </a:effectLst>
+              </a14:hiddenEffects>
+            </a:ext>
+          </a:extLst>
+        </p:spPr>
+      </p:pic>
+      <p:sp>
+        <p:nvSpPr>
+          <p:cNvPr id="7" name="Стрелка вправо с вырезом 6"/>
+          <p:cNvSpPr/>
+          <p:nvPr>
+            <p:custDataLst>
+              <p:tags r:id="rId8"/>
+            </p:custDataLst>
+          </p:nvPr>
+        </p:nvSpPr>
+        <p:spPr>
+          <a:xfrm>
+            <a:off x="3851920" y="4116238"/>
+            <a:ext cx="432048" cy="392882"/>
+          </a:xfrm>
+          <a:prstGeom prst="notchedRightArrow">
+            <a:avLst/>
+          </a:prstGeom>
+        </p:spPr>
+        <p:style>
+          <a:lnRef idx="2">
+            <a:schemeClr val="accent1">
+              <a:shade val="50000"/>
+            </a:schemeClr>
+          </a:lnRef>
+          <a:fillRef idx="1">
+            <a:schemeClr val="accent1"/>
+          </a:fillRef>
+          <a:effectRef idx="0">
+            <a:schemeClr val="accent1"/>
+          </a:effectRef>
+          <a:fontRef idx="minor">
+            <a:schemeClr val="lt1"/>
+          </a:fontRef>
+        </p:style>
+        <p:txBody>
+          <a:bodyPr rtlCol="0" anchor="ctr"/>
           <a:lstStyle/>
           <a:p>
-            <a:r>
-              <a:rPr lang="ru-RU" b="1" dirty="0" smtClean="0"/>
-              <a:t>Преимущества модульного построения системы</a:t>
-            </a:r>
-            <a:r>
-              <a:rPr lang="en-US" b="1" dirty="0" smtClean="0"/>
-              <a:t>:</a:t>
-            </a:r>
-            <a:endParaRPr lang="ru-RU" b="1" dirty="0" smtClean="0"/>
-          </a:p>
-          <a:p>
-            <a:pPr>
-              <a:buFont typeface="Arial" pitchFamily="34" charset="0"/>
-              <a:buChar char="•"/>
-            </a:pPr>
-            <a:r>
-              <a:rPr lang="ru-RU" dirty="0" smtClean="0"/>
-              <a:t>  Независимость от конкретной модели терминала (при смене торгового терминала не надо переписывать весь программный код робота).</a:t>
-            </a:r>
-          </a:p>
-          <a:p>
-            <a:pPr>
-              <a:buFont typeface="Arial" pitchFamily="34" charset="0"/>
-              <a:buChar char="•"/>
-            </a:pPr>
-            <a:r>
-              <a:rPr lang="ru-RU" dirty="0" smtClean="0"/>
-              <a:t>  Удобство отладки (отдельный модуль можно поместить в тестовую среду для прогонки на автоматических тестах).</a:t>
-            </a:r>
-          </a:p>
-          <a:p>
-            <a:pPr>
-              <a:buFont typeface="Arial" pitchFamily="34" charset="0"/>
-              <a:buChar char="•"/>
-            </a:pPr>
-            <a:endParaRPr lang="ru-RU" dirty="0"/>
+            <a:pPr algn="ctr"/>
+            <a:endParaRPr lang="ru-RU"/>
           </a:p>
         </p:txBody>
       </p:sp>
@@ -5716,6 +6213,11 @@
     <p:custDataLst>
       <p:tags r:id="rId1"/>
     </p:custDataLst>
+    <p:extLst>
+      <p:ext uri="{BB962C8B-B14F-4D97-AF65-F5344CB8AC3E}">
+        <p14:creationId xmlns:p14="http://schemas.microsoft.com/office/powerpoint/2010/main" val="1227568761"/>
+      </p:ext>
+    </p:extLst>
   </p:cSld>
   <p:clrMapOvr>
     <a:masterClrMapping/>
@@ -5749,7 +6251,7 @@
       </p:grpSpPr>
       <p:sp>
         <p:nvSpPr>
-          <p:cNvPr id="8194" name="Заголовок 1"/>
+          <p:cNvPr id="7170" name="Заголовок 1"/>
           <p:cNvSpPr>
             <a:spLocks noGrp="1"/>
           </p:cNvSpPr>
@@ -5760,27 +6262,21 @@
             </p:custDataLst>
           </p:nvPr>
         </p:nvSpPr>
-        <p:spPr>
-          <a:xfrm>
-            <a:off x="2643174" y="500042"/>
-            <a:ext cx="5572164" cy="714380"/>
-          </a:xfrm>
-        </p:spPr>
+        <p:spPr/>
         <p:txBody>
           <a:bodyPr/>
           <a:lstStyle/>
           <a:p>
             <a:r>
-              <a:rPr lang="ru-RU" sz="4400" dirty="0" err="1" smtClean="0"/>
-              <a:t>Коннектор</a:t>
-            </a:r>
-            <a:endParaRPr lang="ru-RU" sz="4400" dirty="0" smtClean="0"/>
+              <a:rPr lang="ru-RU" dirty="0" smtClean="0"/>
+              <a:t>Схема системы</a:t>
+            </a:r>
           </a:p>
         </p:txBody>
       </p:sp>
       <p:pic>
         <p:nvPicPr>
-          <p:cNvPr id="5" name="Содержимое 4" descr="images.jpeg"/>
+          <p:cNvPr id="7" name="Содержимое 6" descr="1.bmp"/>
           <p:cNvPicPr>
             <a:picLocks noGrp="1" noChangeAspect="1"/>
           </p:cNvPicPr>
@@ -5799,19 +6295,16 @@
         </p:blipFill>
         <p:spPr>
           <a:xfrm>
-            <a:off x="857224" y="285728"/>
-            <a:ext cx="971550" cy="971550"/>
+            <a:off x="571472" y="2000240"/>
+            <a:ext cx="7103641" cy="2349785"/>
           </a:xfrm>
         </p:spPr>
       </p:pic>
       <p:sp>
         <p:nvSpPr>
-          <p:cNvPr id="7" name="Текст 6"/>
-          <p:cNvSpPr>
-            <a:spLocks noGrp="1"/>
-          </p:cNvSpPr>
-          <p:nvPr>
-            <p:ph type="body" sz="half" idx="2"/>
+          <p:cNvPr id="10" name="TextBox 9"/>
+          <p:cNvSpPr txBox="1"/>
+          <p:nvPr>
             <p:custDataLst>
               <p:tags r:id="rId4"/>
             </p:custDataLst>
@@ -5819,200 +6312,55 @@
         </p:nvSpPr>
         <p:spPr>
           <a:xfrm>
-            <a:off x="428596" y="1785926"/>
-            <a:ext cx="8401080" cy="4643470"/>
+            <a:off x="285720" y="4357694"/>
+            <a:ext cx="8286808" cy="1754326"/>
           </a:xfrm>
+          <a:prstGeom prst="rect">
+            <a:avLst/>
+          </a:prstGeom>
+          <a:noFill/>
         </p:spPr>
         <p:txBody>
-          <a:bodyPr/>
+          <a:bodyPr wrap="square" rtlCol="0">
+            <a:spAutoFit/>
+          </a:bodyPr>
           <a:lstStyle/>
           <a:p>
-            <a:pPr marL="342900" lvl="1" indent="-342900" eaLnBrk="1" hangingPunct="1"/>
-            <a:r>
-              <a:rPr lang="ru-RU" sz="2400" dirty="0" smtClean="0"/>
-              <a:t>Дано</a:t>
-            </a:r>
-            <a:r>
-              <a:rPr lang="en-US" sz="2400" dirty="0" smtClean="0"/>
+            <a:r>
+              <a:rPr lang="ru-RU" b="1" dirty="0" smtClean="0"/>
+              <a:t>Преимущества модульного построения системы</a:t>
+            </a:r>
+            <a:r>
+              <a:rPr lang="en-US" b="1" dirty="0" smtClean="0"/>
               <a:t>:</a:t>
             </a:r>
-          </a:p>
-          <a:p>
-            <a:pPr marL="342900" lvl="1" indent="-342900" eaLnBrk="1" hangingPunct="1">
-              <a:buFont typeface="Arial" charset="0"/>
+            <a:endParaRPr lang="ru-RU" b="1" dirty="0" smtClean="0"/>
+          </a:p>
+          <a:p>
+            <a:pPr>
+              <a:buFont typeface="Arial" pitchFamily="34" charset="0"/>
               <a:buChar char="•"/>
             </a:pPr>
             <a:r>
-              <a:rPr lang="ru-RU" sz="2400" dirty="0" smtClean="0"/>
-              <a:t>Торговый терминал</a:t>
-            </a:r>
-            <a:r>
-              <a:rPr lang="en-US" sz="2400" dirty="0" smtClean="0"/>
-              <a:t>: ARQA </a:t>
-            </a:r>
-            <a:r>
-              <a:rPr lang="en-US" sz="2400" dirty="0" err="1" smtClean="0"/>
-              <a:t>Quik</a:t>
-            </a:r>
-            <a:r>
-              <a:rPr lang="en-US" sz="2400" dirty="0" smtClean="0"/>
-              <a:t>.</a:t>
-            </a:r>
-            <a:endParaRPr lang="ru-RU" sz="2400" dirty="0" smtClean="0"/>
-          </a:p>
-          <a:p>
-            <a:pPr marL="342900" lvl="1" indent="-342900" eaLnBrk="1" hangingPunct="1">
-              <a:buFont typeface="Arial" charset="0"/>
+              <a:rPr lang="ru-RU" dirty="0" smtClean="0"/>
+              <a:t>  Независимость от конкретной модели терминала (при смене торгового терминала не надо переписывать весь программный код робота).</a:t>
+            </a:r>
+          </a:p>
+          <a:p>
+            <a:pPr>
+              <a:buFont typeface="Arial" pitchFamily="34" charset="0"/>
               <a:buChar char="•"/>
             </a:pPr>
             <a:r>
-              <a:rPr lang="ru-RU" sz="2400" dirty="0" smtClean="0"/>
-              <a:t>Способ вывода данных из ТТ </a:t>
-            </a:r>
-            <a:r>
-              <a:rPr lang="en-US" sz="2400" dirty="0" err="1" smtClean="0"/>
-              <a:t>Quik</a:t>
-            </a:r>
-            <a:r>
-              <a:rPr lang="en-US" sz="2400" dirty="0" smtClean="0"/>
-              <a:t>: </a:t>
-            </a:r>
-            <a:r>
-              <a:rPr lang="ru-RU" sz="2400" dirty="0" smtClean="0"/>
-              <a:t>протокол </a:t>
-            </a:r>
-            <a:r>
-              <a:rPr lang="en-US" sz="2400" dirty="0" smtClean="0"/>
-              <a:t>DDE.</a:t>
-            </a:r>
-          </a:p>
-          <a:p>
-            <a:pPr marL="342900" lvl="1" indent="-342900" eaLnBrk="1" hangingPunct="1">
-              <a:buFont typeface="Arial" charset="0"/>
+              <a:rPr lang="ru-RU" dirty="0" smtClean="0"/>
+              <a:t>  Удобство отладки (отдельный модуль можно поместить в тестовую среду для прогонки на автоматических тестах).</a:t>
+            </a:r>
+          </a:p>
+          <a:p>
+            <a:pPr>
+              <a:buFont typeface="Arial" pitchFamily="34" charset="0"/>
               <a:buChar char="•"/>
             </a:pPr>
-            <a:r>
-              <a:rPr lang="ru-RU" sz="2400" dirty="0" smtClean="0"/>
-              <a:t>Способ отправки торговых приказов в </a:t>
-            </a:r>
-            <a:r>
-              <a:rPr lang="en-US" sz="2400" dirty="0" smtClean="0"/>
-              <a:t>TT </a:t>
-            </a:r>
-            <a:r>
-              <a:rPr lang="en-US" sz="2400" dirty="0" err="1" smtClean="0"/>
-              <a:t>Quik</a:t>
-            </a:r>
-            <a:r>
-              <a:rPr lang="en-US" sz="2400" dirty="0" smtClean="0"/>
-              <a:t>: API trans2quik</a:t>
-            </a:r>
-            <a:endParaRPr lang="ru-RU" sz="2400" dirty="0" smtClean="0"/>
-          </a:p>
-          <a:p>
-            <a:pPr marL="342900" lvl="1" indent="-342900" eaLnBrk="1" hangingPunct="1"/>
-            <a:r>
-              <a:rPr lang="ru-RU" sz="2400" dirty="0" smtClean="0"/>
-              <a:t>Результат</a:t>
-            </a:r>
-            <a:r>
-              <a:rPr lang="en-US" sz="2400" dirty="0" smtClean="0"/>
-              <a:t>:</a:t>
-            </a:r>
-          </a:p>
-          <a:p>
-            <a:pPr marL="342900" lvl="1" indent="-342900" eaLnBrk="1" hangingPunct="1">
-              <a:buFont typeface="Arial" charset="0"/>
-              <a:buChar char="•"/>
-            </a:pPr>
-            <a:r>
-              <a:rPr lang="ru-RU" sz="2400" dirty="0" smtClean="0"/>
-              <a:t>Модуль для приёма данных в формате </a:t>
-            </a:r>
-            <a:r>
-              <a:rPr lang="en-US" sz="2400" dirty="0" err="1" smtClean="0"/>
-              <a:t>XLTable</a:t>
-            </a:r>
-            <a:r>
-              <a:rPr lang="ru-RU" sz="2400" dirty="0" smtClean="0"/>
-              <a:t>.</a:t>
-            </a:r>
-          </a:p>
-          <a:p>
-            <a:pPr marL="342900" lvl="1" indent="-342900" eaLnBrk="1" hangingPunct="1">
-              <a:buFont typeface="Arial" charset="0"/>
-              <a:buChar char="•"/>
-            </a:pPr>
-            <a:r>
-              <a:rPr lang="ru-RU" sz="2400" dirty="0" smtClean="0"/>
-              <a:t>Адаптация </a:t>
-            </a:r>
-            <a:r>
-              <a:rPr lang="en-US" sz="2400" dirty="0" smtClean="0"/>
-              <a:t>API </a:t>
-            </a:r>
-            <a:r>
-              <a:rPr lang="en-US" sz="2400" dirty="0" err="1" smtClean="0"/>
-              <a:t>Quik</a:t>
-            </a:r>
-            <a:r>
-              <a:rPr lang="en-US" sz="2400" dirty="0" smtClean="0"/>
-              <a:t> </a:t>
-            </a:r>
-            <a:r>
-              <a:rPr lang="ru-RU" sz="2400" dirty="0" smtClean="0"/>
-              <a:t>на языке </a:t>
-            </a:r>
-            <a:r>
-              <a:rPr lang="en-US" sz="2400" dirty="0" smtClean="0"/>
-              <a:t>C/C++ </a:t>
-            </a:r>
-            <a:r>
-              <a:rPr lang="ru-RU" sz="2400" dirty="0" smtClean="0"/>
-              <a:t>для вызова из языка </a:t>
-            </a:r>
-            <a:r>
-              <a:rPr lang="en-US" sz="2400" dirty="0" smtClean="0"/>
-              <a:t>C# </a:t>
-            </a:r>
-            <a:r>
-              <a:rPr lang="ru-RU" sz="2400" dirty="0" smtClean="0"/>
-              <a:t>(вызов неуправляемого кода из управляемого в платформе </a:t>
-            </a:r>
-            <a:r>
-              <a:rPr lang="en-US" sz="2400" dirty="0" smtClean="0"/>
-              <a:t>.NET</a:t>
-            </a:r>
-            <a:r>
-              <a:rPr lang="ru-RU" sz="2400" dirty="0" smtClean="0"/>
-              <a:t> и</a:t>
-            </a:r>
-            <a:r>
-              <a:rPr lang="en-US" sz="2400" dirty="0" smtClean="0"/>
-              <a:t> Callback)</a:t>
-            </a:r>
-            <a:r>
-              <a:rPr lang="ru-RU" sz="2400" dirty="0" smtClean="0"/>
-              <a:t> </a:t>
-            </a:r>
-            <a:endParaRPr lang="en-US" sz="2400" dirty="0" smtClean="0"/>
-          </a:p>
-          <a:p>
-            <a:pPr marL="342900" lvl="1" indent="-342900" eaLnBrk="1" hangingPunct="1"/>
-            <a:endParaRPr lang="ru-RU" sz="2400" dirty="0" smtClean="0"/>
-          </a:p>
-          <a:p>
-            <a:pPr marL="342900" lvl="1" indent="-342900" eaLnBrk="1" hangingPunct="1"/>
-            <a:endParaRPr lang="ru-RU" sz="2400" dirty="0" smtClean="0"/>
-          </a:p>
-          <a:p>
-            <a:pPr marL="342900" lvl="1" indent="-342900" eaLnBrk="1" hangingPunct="1">
-              <a:buFont typeface="Arial" charset="0"/>
-              <a:buChar char="•"/>
-            </a:pPr>
-            <a:endParaRPr lang="ru-RU" sz="2400" dirty="0" smtClean="0"/>
-          </a:p>
-          <a:p>
             <a:endParaRPr lang="ru-RU" dirty="0"/>
           </a:p>
         </p:txBody>
@@ -6049,100 +6397,148 @@
 
 <file path=ppt/tags/tag100.xml><?xml version="1.0" encoding="utf-8"?>
 <p:tagLst xmlns:a="http://schemas.openxmlformats.org/drawingml/2006/main" xmlns:r="http://schemas.openxmlformats.org/officeDocument/2006/relationships" xmlns:p="http://schemas.openxmlformats.org/presentationml/2006/main">
+  <p:tag name="DVSHAPEID" val="Lo7js9b6n9u4Z0kfMl6Feo"/>
+</p:tagLst>
+</file>
+
+<file path=ppt/tags/tag101.xml><?xml version="1.0" encoding="utf-8"?>
+<p:tagLst xmlns:a="http://schemas.openxmlformats.org/drawingml/2006/main" xmlns:r="http://schemas.openxmlformats.org/officeDocument/2006/relationships" xmlns:p="http://schemas.openxmlformats.org/presentationml/2006/main">
+  <p:tag name="DVSHAPEID" val="WVr2LtxoxgLfmDpk4N8lOa"/>
+</p:tagLst>
+</file>
+
+<file path=ppt/tags/tag102.xml><?xml version="1.0" encoding="utf-8"?>
+<p:tagLst xmlns:a="http://schemas.openxmlformats.org/drawingml/2006/main" xmlns:r="http://schemas.openxmlformats.org/officeDocument/2006/relationships" xmlns:p="http://schemas.openxmlformats.org/presentationml/2006/main">
+  <p:tag name="DVSHAPEID" val="095wEkSA36snscSpnHzYBe"/>
+</p:tagLst>
+</file>
+
+<file path=ppt/tags/tag103.xml><?xml version="1.0" encoding="utf-8"?>
+<p:tagLst xmlns:a="http://schemas.openxmlformats.org/drawingml/2006/main" xmlns:r="http://schemas.openxmlformats.org/officeDocument/2006/relationships" xmlns:p="http://schemas.openxmlformats.org/presentationml/2006/main">
+  <p:tag name="DVSHAPEID" val="iKDGPrgjwTzLViXePcwXdF"/>
+</p:tagLst>
+</file>
+
+<file path=ppt/tags/tag104.xml><?xml version="1.0" encoding="utf-8"?>
+<p:tagLst xmlns:a="http://schemas.openxmlformats.org/drawingml/2006/main" xmlns:r="http://schemas.openxmlformats.org/officeDocument/2006/relationships" xmlns:p="http://schemas.openxmlformats.org/presentationml/2006/main">
+  <p:tag name="DVSHAPEID" val="MZbdsEprLQzMQlSXurjKzz"/>
+</p:tagLst>
+</file>
+
+<file path=ppt/tags/tag105.xml><?xml version="1.0" encoding="utf-8"?>
+<p:tagLst xmlns:a="http://schemas.openxmlformats.org/drawingml/2006/main" xmlns:r="http://schemas.openxmlformats.org/officeDocument/2006/relationships" xmlns:p="http://schemas.openxmlformats.org/presentationml/2006/main">
+  <p:tag name="DVSHAPEID" val="NHgAs8SnrD1CXEvCZCT58I"/>
+</p:tagLst>
+</file>
+
+<file path=ppt/tags/tag106.xml><?xml version="1.0" encoding="utf-8"?>
+<p:tagLst xmlns:a="http://schemas.openxmlformats.org/drawingml/2006/main" xmlns:r="http://schemas.openxmlformats.org/officeDocument/2006/relationships" xmlns:p="http://schemas.openxmlformats.org/presentationml/2006/main">
+  <p:tag name="DVSHAPEID" val="b9rBmSH4Es6dctWRchzooW"/>
+</p:tagLst>
+</file>
+
+<file path=ppt/tags/tag107.xml><?xml version="1.0" encoding="utf-8"?>
+<p:tagLst xmlns:a="http://schemas.openxmlformats.org/drawingml/2006/main" xmlns:r="http://schemas.openxmlformats.org/officeDocument/2006/relationships" xmlns:p="http://schemas.openxmlformats.org/presentationml/2006/main">
+  <p:tag name="DVSECTIONID" val="nxvSCBzlV0BIcc6fDnbKov"/>
+</p:tagLst>
+</file>
+
+<file path=ppt/tags/tag108.xml><?xml version="1.0" encoding="utf-8"?>
+<p:tagLst xmlns:a="http://schemas.openxmlformats.org/drawingml/2006/main" xmlns:r="http://schemas.openxmlformats.org/officeDocument/2006/relationships" xmlns:p="http://schemas.openxmlformats.org/presentationml/2006/main">
   <p:tag name="DVSHAPEID" val="bOWQCLmUFYVYCEKAN2Edpu"/>
 </p:tagLst>
 </file>
 
-<file path=ppt/tags/tag101.xml><?xml version="1.0" encoding="utf-8"?>
+<file path=ppt/tags/tag109.xml><?xml version="1.0" encoding="utf-8"?>
 <p:tagLst xmlns:a="http://schemas.openxmlformats.org/drawingml/2006/main" xmlns:r="http://schemas.openxmlformats.org/officeDocument/2006/relationships" xmlns:p="http://schemas.openxmlformats.org/presentationml/2006/main">
   <p:tag name="DVSHAPEID" val="IhVELkHQRS3HY8tCEvcE9I"/>
 </p:tagLst>
 </file>
 
-<file path=ppt/tags/tag102.xml><?xml version="1.0" encoding="utf-8"?>
+<file path=ppt/tags/tag11.xml><?xml version="1.0" encoding="utf-8"?>
+<p:tagLst xmlns:a="http://schemas.openxmlformats.org/drawingml/2006/main" xmlns:r="http://schemas.openxmlformats.org/officeDocument/2006/relationships" xmlns:p="http://schemas.openxmlformats.org/presentationml/2006/main">
+  <p:tag name="DVSHAPEID" val="YQVeJXHFTDLKEhaCdi64cC"/>
+</p:tagLst>
+</file>
+
+<file path=ppt/tags/tag110.xml><?xml version="1.0" encoding="utf-8"?>
 <p:tagLst xmlns:a="http://schemas.openxmlformats.org/drawingml/2006/main" xmlns:r="http://schemas.openxmlformats.org/officeDocument/2006/relationships" xmlns:p="http://schemas.openxmlformats.org/presentationml/2006/main">
   <p:tag name="DVSHAPEID" val="XD3oxbqPmbmm86lfKlNdeF"/>
 </p:tagLst>
 </file>
 
-<file path=ppt/tags/tag103.xml><?xml version="1.0" encoding="utf-8"?>
+<file path=ppt/tags/tag111.xml><?xml version="1.0" encoding="utf-8"?>
 <p:tagLst xmlns:a="http://schemas.openxmlformats.org/drawingml/2006/main" xmlns:r="http://schemas.openxmlformats.org/officeDocument/2006/relationships" xmlns:p="http://schemas.openxmlformats.org/presentationml/2006/main">
   <p:tag name="DVSECTIONID" val="u2CRqSTLN76IArDE2aY8ts"/>
 </p:tagLst>
 </file>
 
-<file path=ppt/tags/tag104.xml><?xml version="1.0" encoding="utf-8"?>
+<file path=ppt/tags/tag112.xml><?xml version="1.0" encoding="utf-8"?>
 <p:tagLst xmlns:a="http://schemas.openxmlformats.org/drawingml/2006/main" xmlns:r="http://schemas.openxmlformats.org/officeDocument/2006/relationships" xmlns:p="http://schemas.openxmlformats.org/presentationml/2006/main">
   <p:tag name="DVSHAPEID" val="DHq0RKqBacBhCXn1QysebY"/>
 </p:tagLst>
 </file>
 
-<file path=ppt/tags/tag105.xml><?xml version="1.0" encoding="utf-8"?>
+<file path=ppt/tags/tag113.xml><?xml version="1.0" encoding="utf-8"?>
 <p:tagLst xmlns:a="http://schemas.openxmlformats.org/drawingml/2006/main" xmlns:r="http://schemas.openxmlformats.org/officeDocument/2006/relationships" xmlns:p="http://schemas.openxmlformats.org/presentationml/2006/main">
   <p:tag name="DVSHAPEID" val="VKDKcmlRq5XRsk5k1DHode"/>
 </p:tagLst>
 </file>
 
-<file path=ppt/tags/tag106.xml><?xml version="1.0" encoding="utf-8"?>
+<file path=ppt/tags/tag114.xml><?xml version="1.0" encoding="utf-8"?>
 <p:tagLst xmlns:a="http://schemas.openxmlformats.org/drawingml/2006/main" xmlns:r="http://schemas.openxmlformats.org/officeDocument/2006/relationships" xmlns:p="http://schemas.openxmlformats.org/presentationml/2006/main">
   <p:tag name="DVSHAPEID" val="MaX40Y4fHtXFLFn6x3giMw"/>
 </p:tagLst>
 </file>
 
-<file path=ppt/tags/tag107.xml><?xml version="1.0" encoding="utf-8"?>
+<file path=ppt/tags/tag115.xml><?xml version="1.0" encoding="utf-8"?>
 <p:tagLst xmlns:a="http://schemas.openxmlformats.org/drawingml/2006/main" xmlns:r="http://schemas.openxmlformats.org/officeDocument/2006/relationships" xmlns:p="http://schemas.openxmlformats.org/presentationml/2006/main">
   <p:tag name="DVSECTIONID" val="UGPegN4Wtap9NsJ5805bZD"/>
 </p:tagLst>
 </file>
 
-<file path=ppt/tags/tag108.xml><?xml version="1.0" encoding="utf-8"?>
+<file path=ppt/tags/tag116.xml><?xml version="1.0" encoding="utf-8"?>
 <p:tagLst xmlns:a="http://schemas.openxmlformats.org/drawingml/2006/main" xmlns:r="http://schemas.openxmlformats.org/officeDocument/2006/relationships" xmlns:p="http://schemas.openxmlformats.org/presentationml/2006/main">
   <p:tag name="DVSHAPEID" val="z0njvhO0LrdXsjCtI8QUJc"/>
 </p:tagLst>
 </file>
 
-<file path=ppt/tags/tag109.xml><?xml version="1.0" encoding="utf-8"?>
+<file path=ppt/tags/tag117.xml><?xml version="1.0" encoding="utf-8"?>
 <p:tagLst xmlns:a="http://schemas.openxmlformats.org/drawingml/2006/main" xmlns:r="http://schemas.openxmlformats.org/officeDocument/2006/relationships" xmlns:p="http://schemas.openxmlformats.org/presentationml/2006/main">
   <p:tag name="DVSHAPEID" val="rNm7BTToGSvZ5kK0qOiJCU"/>
 </p:tagLst>
 </file>
 
-<file path=ppt/tags/tag11.xml><?xml version="1.0" encoding="utf-8"?>
-<p:tagLst xmlns:a="http://schemas.openxmlformats.org/drawingml/2006/main" xmlns:r="http://schemas.openxmlformats.org/officeDocument/2006/relationships" xmlns:p="http://schemas.openxmlformats.org/presentationml/2006/main">
-  <p:tag name="DVSHAPEID" val="YQVeJXHFTDLKEhaCdi64cC"/>
-</p:tagLst>
-</file>
-
-<file path=ppt/tags/tag110.xml><?xml version="1.0" encoding="utf-8"?>
+<file path=ppt/tags/tag118.xml><?xml version="1.0" encoding="utf-8"?>
 <p:tagLst xmlns:a="http://schemas.openxmlformats.org/drawingml/2006/main" xmlns:r="http://schemas.openxmlformats.org/officeDocument/2006/relationships" xmlns:p="http://schemas.openxmlformats.org/presentationml/2006/main">
   <p:tag name="DVSHAPEID" val="35ZVGIiIGgcmyzXnGV7mLl"/>
 </p:tagLst>
 </file>
 
-<file path=ppt/tags/tag111.xml><?xml version="1.0" encoding="utf-8"?>
+<file path=ppt/tags/tag119.xml><?xml version="1.0" encoding="utf-8"?>
 <p:tagLst xmlns:a="http://schemas.openxmlformats.org/drawingml/2006/main" xmlns:r="http://schemas.openxmlformats.org/officeDocument/2006/relationships" xmlns:p="http://schemas.openxmlformats.org/presentationml/2006/main">
   <p:tag name="DVSECTIONID" val="tIobohZhHkfqEe3IMbERAZ"/>
 </p:tagLst>
 </file>
 
-<file path=ppt/tags/tag112.xml><?xml version="1.0" encoding="utf-8"?>
+<file path=ppt/tags/tag12.xml><?xml version="1.0" encoding="utf-8"?>
+<p:tagLst xmlns:a="http://schemas.openxmlformats.org/drawingml/2006/main" xmlns:r="http://schemas.openxmlformats.org/officeDocument/2006/relationships" xmlns:p="http://schemas.openxmlformats.org/presentationml/2006/main">
+  <p:tag name="DVSHAPEID" val="DQNNn6R0HExhGt3oKz7rdx"/>
+</p:tagLst>
+</file>
+
+<file path=ppt/tags/tag120.xml><?xml version="1.0" encoding="utf-8"?>
 <p:tagLst xmlns:a="http://schemas.openxmlformats.org/drawingml/2006/main" xmlns:r="http://schemas.openxmlformats.org/officeDocument/2006/relationships" xmlns:p="http://schemas.openxmlformats.org/presentationml/2006/main">
   <p:tag name="DVSHAPEID" val="hPBJKQMFG8GvGe1qGr6471"/>
 </p:tagLst>
 </file>
 
-<file path=ppt/tags/tag113.xml><?xml version="1.0" encoding="utf-8"?>
+<file path=ppt/tags/tag121.xml><?xml version="1.0" encoding="utf-8"?>
 <p:tagLst xmlns:a="http://schemas.openxmlformats.org/drawingml/2006/main" xmlns:r="http://schemas.openxmlformats.org/officeDocument/2006/relationships" xmlns:p="http://schemas.openxmlformats.org/presentationml/2006/main">
   <p:tag name="DVSHAPEID" val="BuoFvalJYQfOOZp5MahfLi"/>
 </p:tagLst>
 </file>
 
-<file path=ppt/tags/tag12.xml><?xml version="1.0" encoding="utf-8"?>
-<p:tagLst xmlns:a="http://schemas.openxmlformats.org/drawingml/2006/main" xmlns:r="http://schemas.openxmlformats.org/officeDocument/2006/relationships" xmlns:p="http://schemas.openxmlformats.org/presentationml/2006/main">
-  <p:tag name="DVSHAPEID" val="DQNNn6R0HExhGt3oKz7rdx"/>
-</p:tagLst>
-</file>
-
 <file path=ppt/tags/tag13.xml><?xml version="1.0" encoding="utf-8"?>
 <p:tagLst xmlns:a="http://schemas.openxmlformats.org/drawingml/2006/main" xmlns:r="http://schemas.openxmlformats.org/officeDocument/2006/relationships" xmlns:p="http://schemas.openxmlformats.org/presentationml/2006/main">
   <p:tag name="DVSHAPEID" val="yHOqAsUewcwmd5qVzBOTW7"/>
@@ -6709,7 +7105,7 @@
 
 <file path=ppt/tags/tag99.xml><?xml version="1.0" encoding="utf-8"?>
 <p:tagLst xmlns:a="http://schemas.openxmlformats.org/drawingml/2006/main" xmlns:r="http://schemas.openxmlformats.org/officeDocument/2006/relationships" xmlns:p="http://schemas.openxmlformats.org/presentationml/2006/main">
-  <p:tag name="DVSECTIONID" val="nxvSCBzlV0BIcc6fDnbKov"/>
+  <p:tag name="DVSECTIONID" val="X82xExXjrcjve5xYAEVaLH"/>
 </p:tagLst>
 </file>
 
